--- a/DocumentTemplates/CertificateBackground_MH.pptx
+++ b/DocumentTemplates/CertificateBackground_MH.pptx
@@ -112,12 +112,33 @@
 </p:presentation>
 </file>
 
-<file path=ppt/revisionInfo.xml><?xml version="1.0" encoding="utf-8"?>
-<p1510:revInfo xmlns:a="http://schemas.openxmlformats.org/drawingml/2006/main" xmlns:r="http://schemas.openxmlformats.org/officeDocument/2006/relationships" xmlns:p1510="http://schemas.microsoft.com/office/powerpoint/2015/10/main">
-  <p1510:revLst>
-    <p1510:client id="{04EDFDD2-CB2D-7A4E-8DD5-D8C912281259}" v="2" dt="2023-11-24T00:41:01.447"/>
-  </p1510:revLst>
-</p1510:revInfo>
+<file path=ppt/changesInfos/changesInfo1.xml><?xml version="1.0" encoding="utf-8"?>
+<pc:chgInfo xmlns:a="http://schemas.openxmlformats.org/drawingml/2006/main" xmlns:r="http://schemas.openxmlformats.org/officeDocument/2006/relationships" xmlns:ac="http://schemas.microsoft.com/office/drawing/2013/main/command" xmlns:pc="http://schemas.microsoft.com/office/powerpoint/2013/main/command">
+  <pc:docChgLst>
+    <pc:chgData name="Sajeevan, Divya" userId="6e7f03f4-3ff7-4ee1-af09-5ee9d7b34dde" providerId="ADAL" clId="{76D3E4CB-B5E2-4B66-9437-D51AF1B4C4BE}"/>
+    <pc:docChg chg="custSel modSld">
+      <pc:chgData name="Sajeevan, Divya" userId="6e7f03f4-3ff7-4ee1-af09-5ee9d7b34dde" providerId="ADAL" clId="{76D3E4CB-B5E2-4B66-9437-D51AF1B4C4BE}" dt="2024-05-15T14:00:25.732" v="12" actId="478"/>
+      <pc:docMkLst>
+        <pc:docMk/>
+      </pc:docMkLst>
+      <pc:sldChg chg="delSp modSp mod">
+        <pc:chgData name="Sajeevan, Divya" userId="6e7f03f4-3ff7-4ee1-af09-5ee9d7b34dde" providerId="ADAL" clId="{76D3E4CB-B5E2-4B66-9437-D51AF1B4C4BE}" dt="2024-05-15T14:00:25.732" v="12" actId="478"/>
+        <pc:sldMkLst>
+          <pc:docMk/>
+          <pc:sldMk cId="1830213082" sldId="256"/>
+        </pc:sldMkLst>
+        <pc:spChg chg="del mod">
+          <ac:chgData name="Sajeevan, Divya" userId="6e7f03f4-3ff7-4ee1-af09-5ee9d7b34dde" providerId="ADAL" clId="{76D3E4CB-B5E2-4B66-9437-D51AF1B4C4BE}" dt="2024-05-15T14:00:25.732" v="12" actId="478"/>
+          <ac:spMkLst>
+            <pc:docMk/>
+            <pc:sldMk cId="1830213082" sldId="256"/>
+            <ac:spMk id="14" creationId="{FE9A1620-0A7C-3E53-91E5-FC1CBE68EC12}"/>
+          </ac:spMkLst>
+        </pc:spChg>
+      </pc:sldChg>
+    </pc:docChg>
+  </pc:docChgLst>
+</pc:chgInfo>
 </file>
 
 <file path=ppt/slideLayouts/slideLayout1.xml><?xml version="1.0" encoding="utf-8"?>
@@ -251,7 +272,7 @@
           <a:p>
             <a:fld id="{E0C45857-5204-4055-BBBB-5D81F6C0DEE1}" type="datetimeFigureOut">
               <a:rPr lang="en-US" smtClean="0"/>
-              <a:t>2/8/2024</a:t>
+              <a:t>5/16/2024</a:t>
             </a:fld>
             <a:endParaRPr lang="en-US"/>
           </a:p>
@@ -421,7 +442,7 @@
           <a:p>
             <a:fld id="{E0C45857-5204-4055-BBBB-5D81F6C0DEE1}" type="datetimeFigureOut">
               <a:rPr lang="en-US" smtClean="0"/>
-              <a:t>2/8/2024</a:t>
+              <a:t>5/16/2024</a:t>
             </a:fld>
             <a:endParaRPr lang="en-US"/>
           </a:p>
@@ -601,7 +622,7 @@
           <a:p>
             <a:fld id="{E0C45857-5204-4055-BBBB-5D81F6C0DEE1}" type="datetimeFigureOut">
               <a:rPr lang="en-US" smtClean="0"/>
-              <a:t>2/8/2024</a:t>
+              <a:t>5/16/2024</a:t>
             </a:fld>
             <a:endParaRPr lang="en-US"/>
           </a:p>
@@ -771,7 +792,7 @@
           <a:p>
             <a:fld id="{E0C45857-5204-4055-BBBB-5D81F6C0DEE1}" type="datetimeFigureOut">
               <a:rPr lang="en-US" smtClean="0"/>
-              <a:t>2/8/2024</a:t>
+              <a:t>5/16/2024</a:t>
             </a:fld>
             <a:endParaRPr lang="en-US"/>
           </a:p>
@@ -1015,7 +1036,7 @@
           <a:p>
             <a:fld id="{E0C45857-5204-4055-BBBB-5D81F6C0DEE1}" type="datetimeFigureOut">
               <a:rPr lang="en-US" smtClean="0"/>
-              <a:t>2/8/2024</a:t>
+              <a:t>5/16/2024</a:t>
             </a:fld>
             <a:endParaRPr lang="en-US"/>
           </a:p>
@@ -1247,7 +1268,7 @@
           <a:p>
             <a:fld id="{E0C45857-5204-4055-BBBB-5D81F6C0DEE1}" type="datetimeFigureOut">
               <a:rPr lang="en-US" smtClean="0"/>
-              <a:t>2/8/2024</a:t>
+              <a:t>5/16/2024</a:t>
             </a:fld>
             <a:endParaRPr lang="en-US"/>
           </a:p>
@@ -1614,7 +1635,7 @@
           <a:p>
             <a:fld id="{E0C45857-5204-4055-BBBB-5D81F6C0DEE1}" type="datetimeFigureOut">
               <a:rPr lang="en-US" smtClean="0"/>
-              <a:t>2/8/2024</a:t>
+              <a:t>5/16/2024</a:t>
             </a:fld>
             <a:endParaRPr lang="en-US"/>
           </a:p>
@@ -1732,7 +1753,7 @@
           <a:p>
             <a:fld id="{E0C45857-5204-4055-BBBB-5D81F6C0DEE1}" type="datetimeFigureOut">
               <a:rPr lang="en-US" smtClean="0"/>
-              <a:t>2/8/2024</a:t>
+              <a:t>5/16/2024</a:t>
             </a:fld>
             <a:endParaRPr lang="en-US"/>
           </a:p>
@@ -1827,7 +1848,7 @@
           <a:p>
             <a:fld id="{E0C45857-5204-4055-BBBB-5D81F6C0DEE1}" type="datetimeFigureOut">
               <a:rPr lang="en-US" smtClean="0"/>
-              <a:t>2/8/2024</a:t>
+              <a:t>5/16/2024</a:t>
             </a:fld>
             <a:endParaRPr lang="en-US"/>
           </a:p>
@@ -2104,7 +2125,7 @@
           <a:p>
             <a:fld id="{E0C45857-5204-4055-BBBB-5D81F6C0DEE1}" type="datetimeFigureOut">
               <a:rPr lang="en-US" smtClean="0"/>
-              <a:t>2/8/2024</a:t>
+              <a:t>5/16/2024</a:t>
             </a:fld>
             <a:endParaRPr lang="en-US"/>
           </a:p>
@@ -2361,7 +2382,7 @@
           <a:p>
             <a:fld id="{E0C45857-5204-4055-BBBB-5D81F6C0DEE1}" type="datetimeFigureOut">
               <a:rPr lang="en-US" smtClean="0"/>
-              <a:t>2/8/2024</a:t>
+              <a:t>5/16/2024</a:t>
             </a:fld>
             <a:endParaRPr lang="en-US"/>
           </a:p>
@@ -2574,7 +2595,7 @@
           <a:p>
             <a:fld id="{E0C45857-5204-4055-BBBB-5D81F6C0DEE1}" type="datetimeFigureOut">
               <a:rPr lang="en-US" smtClean="0"/>
-              <a:t>2/8/2024</a:t>
+              <a:t>5/16/2024</a:t>
             </a:fld>
             <a:endParaRPr lang="en-US"/>
           </a:p>
@@ -3393,7 +3414,7 @@
         <p:spPr>
           <a:xfrm>
             <a:off x="2385860" y="2237548"/>
-            <a:ext cx="7359719" cy="2637389"/>
+            <a:ext cx="7359719" cy="3622145"/>
           </a:xfrm>
           <a:prstGeom prst="rect">
             <a:avLst/>
@@ -3447,6 +3468,84 @@
               </a:rPr>
               <a:t>}}</a:t>
             </a:r>
+          </a:p>
+          <a:p>
+            <a:pPr marL="1497330">
+              <a:spcBef>
+                <a:spcPts val="5"/>
+              </a:spcBef>
+            </a:pPr>
+            <a:r>
+              <a:rPr kumimoji="0" lang="en-US" sz="2000" b="1" i="0" u="none" strike="noStrike" kern="1200" cap="none" spc="0" normalizeH="0" baseline="0" noProof="0" dirty="0">
+                <a:ln>
+                  <a:noFill/>
+                </a:ln>
+                <a:solidFill>
+                  <a:srgbClr val="3B305B"/>
+                </a:solidFill>
+                <a:effectLst/>
+                <a:uLnTx/>
+                <a:uFillTx/>
+                <a:latin typeface="BC Sans"/>
+                <a:ea typeface="Verdana" panose="020B0604030504040204" pitchFamily="34" charset="0"/>
+                <a:cs typeface="Verdana" panose="020B0604030504040204" pitchFamily="34" charset="0"/>
+              </a:rPr>
+              <a:t>{{</a:t>
+            </a:r>
+            <a:r>
+              <a:rPr kumimoji="0" lang="en-US" sz="2000" b="1" i="0" u="none" strike="noStrike" kern="1200" cap="none" spc="0" normalizeH="0" baseline="0" noProof="0" dirty="0" err="1">
+                <a:ln>
+                  <a:noFill/>
+                </a:ln>
+                <a:solidFill>
+                  <a:srgbClr val="3B305B"/>
+                </a:solidFill>
+                <a:effectLst/>
+                <a:uLnTx/>
+                <a:uFillTx/>
+                <a:latin typeface="BC Sans"/>
+                <a:ea typeface="Verdana" panose="020B0604030504040204" pitchFamily="34" charset="0"/>
+                <a:cs typeface="Verdana" panose="020B0604030504040204" pitchFamily="34" charset="0"/>
+              </a:rPr>
+              <a:t>RegistrantName</a:t>
+            </a:r>
+            <a:r>
+              <a:rPr lang="en-US" sz="2000" b="1" dirty="0">
+                <a:solidFill>
+                  <a:srgbClr val="3B305B"/>
+                </a:solidFill>
+                <a:latin typeface="BC Sans"/>
+                <a:ea typeface="Verdana" panose="020B0604030504040204" pitchFamily="34" charset="0"/>
+                <a:cs typeface="Verdana" panose="020B0604030504040204" pitchFamily="34" charset="0"/>
+              </a:rPr>
+              <a:t>}</a:t>
+            </a:r>
+            <a:r>
+              <a:rPr kumimoji="0" lang="en-US" sz="2000" b="1" i="0" u="none" strike="noStrike" kern="1200" cap="none" spc="0" normalizeH="0" baseline="0" noProof="0" dirty="0">
+                <a:ln>
+                  <a:noFill/>
+                </a:ln>
+                <a:solidFill>
+                  <a:srgbClr val="3B305B"/>
+                </a:solidFill>
+                <a:effectLst/>
+                <a:uLnTx/>
+                <a:uFillTx/>
+                <a:latin typeface="BC Sans"/>
+                <a:ea typeface="Verdana" panose="020B0604030504040204" pitchFamily="34" charset="0"/>
+                <a:cs typeface="Verdana" panose="020B0604030504040204" pitchFamily="34" charset="0"/>
+              </a:rPr>
+              <a:t>}</a:t>
+            </a:r>
+            <a:endParaRPr lang="en-US" sz="2000" b="1" dirty="0">
+              <a:solidFill>
+                <a:srgbClr val="3B305B"/>
+              </a:solidFill>
+              <a:effectLst/>
+              <a:latin typeface="BC Sans"/>
+              <a:ea typeface="Verdana" panose="020B0604030504040204" pitchFamily="34" charset="0"/>
+              <a:cs typeface="Verdana" panose="020B0604030504040204" pitchFamily="34" charset="0"/>
+            </a:endParaRPr>
           </a:p>
           <a:p>
             <a:pPr marL="1497330">
@@ -3652,11 +3751,6 @@
               </a:rPr>
               <a:t>}}</a:t>
             </a:r>
-            <a:endParaRPr lang="en-US" sz="1400" dirty="0">
-              <a:latin typeface="BC Sans"/>
-              <a:ea typeface="Verdana" panose="020B0604030504040204" pitchFamily="34" charset="0"/>
-              <a:cs typeface="Verdana" panose="020B0604030504040204" pitchFamily="34" charset="0"/>
-            </a:endParaRPr>
           </a:p>
           <a:p>
             <a:pPr marL="1496060" marR="3183255">
@@ -3668,11 +3762,52 @@
               </a:spcBef>
             </a:pPr>
             <a:endParaRPr lang="en-US" sz="1400" dirty="0">
-              <a:effectLst/>
+              <a:solidFill>
+                <a:srgbClr val="3B305B"/>
+              </a:solidFill>
               <a:latin typeface="BC Sans"/>
               <a:ea typeface="Verdana" panose="020B0604030504040204" pitchFamily="34" charset="0"/>
-              <a:cs typeface="Verdana" panose="020B0604030504040204" pitchFamily="34" charset="0"/>
             </a:endParaRPr>
+          </a:p>
+          <a:p>
+            <a:pPr marL="1496060" marR="3183255">
+              <a:lnSpc>
+                <a:spcPct val="123000"/>
+              </a:lnSpc>
+              <a:spcBef>
+                <a:spcPts val="515"/>
+              </a:spcBef>
+            </a:pPr>
+            <a:r>
+              <a:rPr lang="en-US" sz="1400" dirty="0">
+                <a:solidFill>
+                  <a:srgbClr val="3B305B"/>
+                </a:solidFill>
+                <a:latin typeface="BC Sans"/>
+                <a:ea typeface="Verdana" panose="020B0604030504040204" pitchFamily="34" charset="0"/>
+              </a:rPr>
+              <a:t>Assisted Living Service(s): {{</a:t>
+            </a:r>
+            <a:r>
+              <a:rPr lang="en-US" sz="1400" b="0" dirty="0">
+                <a:solidFill>
+                  <a:srgbClr val="A31515"/>
+                </a:solidFill>
+                <a:effectLst/>
+                <a:latin typeface="Consolas" panose="020B0609020204030204" pitchFamily="49" charset="0"/>
+              </a:rPr>
+              <a:t>Services</a:t>
+            </a:r>
+            <a:r>
+              <a:rPr lang="en-US" sz="1400" dirty="0">
+                <a:solidFill>
+                  <a:srgbClr val="3B305B"/>
+                </a:solidFill>
+                <a:latin typeface="BC Sans"/>
+                <a:ea typeface="Verdana" panose="020B0604030504040204" pitchFamily="34" charset="0"/>
+              </a:rPr>
+              <a:t>}}</a:t>
+            </a:r>
           </a:p>
           <a:p>
             <a:pPr marL="1496060" marR="3183255">
@@ -3684,101 +3819,43 @@
               </a:spcBef>
             </a:pPr>
             <a:endParaRPr lang="en-US" sz="1400" dirty="0">
-              <a:effectLst/>
+              <a:solidFill>
+                <a:srgbClr val="3B305B"/>
+              </a:solidFill>
               <a:latin typeface="BC Sans"/>
               <a:ea typeface="Verdana" panose="020B0604030504040204" pitchFamily="34" charset="0"/>
-              <a:cs typeface="Verdana" panose="020B0604030504040204" pitchFamily="34" charset="0"/>
             </a:endParaRPr>
           </a:p>
           <a:p>
-            <a:pPr marL="1497330" marR="0" lvl="0" indent="0" algn="l" defTabSz="914400" rtl="0" eaLnBrk="1" fontAlgn="auto" latinLnBrk="0" hangingPunct="1">
+            <a:pPr marL="1496060" marR="3183255">
               <a:lnSpc>
-                <a:spcPct val="100000"/>
+                <a:spcPct val="123000"/>
               </a:lnSpc>
               <a:spcBef>
-                <a:spcPts val="5"/>
+                <a:spcPts val="515"/>
               </a:spcBef>
-              <a:spcAft>
-                <a:spcPts val="0"/>
-              </a:spcAft>
-              <a:buClrTx/>
-              <a:buSzTx/>
-              <a:buFontTx/>
-              <a:buNone/>
-              <a:tabLst/>
-              <a:defRPr/>
             </a:pPr>
             <a:r>
-              <a:rPr kumimoji="0" lang="en-US" sz="2400" b="1" i="0" u="none" strike="noStrike" kern="1200" cap="none" spc="0" normalizeH="0" baseline="0" noProof="0" dirty="0">
-                <a:ln>
-                  <a:noFill/>
-                </a:ln>
+              <a:rPr lang="en-US" sz="1400" b="1" dirty="0">
                 <a:solidFill>
                   <a:srgbClr val="3B305B"/>
                 </a:solidFill>
-                <a:effectLst/>
-                <a:uLnTx/>
-                <a:uFillTx/>
                 <a:latin typeface="BC Sans"/>
                 <a:ea typeface="Verdana" panose="020B0604030504040204" pitchFamily="34" charset="0"/>
-                <a:cs typeface="Verdana" panose="020B0604030504040204" pitchFamily="34" charset="0"/>
               </a:rPr>
-              <a:t>{{</a:t>
-            </a:r>
-            <a:r>
-              <a:rPr kumimoji="0" lang="en-US" sz="2400" b="1" i="0" u="none" strike="noStrike" kern="1200" cap="none" spc="0" normalizeH="0" baseline="0" noProof="0" dirty="0" err="1">
-                <a:ln>
-                  <a:noFill/>
-                </a:ln>
+              <a:t>CONDITIONS: {{Condition}} </a:t>
+            </a:r>
+            <a:r>
+              <a:rPr lang="en-US" sz="1400" dirty="0">
                 <a:solidFill>
                   <a:srgbClr val="3B305B"/>
                 </a:solidFill>
-                <a:effectLst/>
-                <a:uLnTx/>
-                <a:uFillTx/>
                 <a:latin typeface="BC Sans"/>
                 <a:ea typeface="Verdana" panose="020B0604030504040204" pitchFamily="34" charset="0"/>
-                <a:cs typeface="Verdana" panose="020B0604030504040204" pitchFamily="34" charset="0"/>
               </a:rPr>
-              <a:t>RegistrantName</a:t>
-            </a:r>
-            <a:r>
-              <a:rPr lang="en-US" sz="2400" b="1" dirty="0">
-                <a:solidFill>
-                  <a:srgbClr val="3B305B"/>
-                </a:solidFill>
-                <a:latin typeface="BC Sans"/>
-                <a:ea typeface="Verdana" panose="020B0604030504040204" pitchFamily="34" charset="0"/>
-                <a:cs typeface="Verdana" panose="020B0604030504040204" pitchFamily="34" charset="0"/>
-              </a:rPr>
-              <a:t>}</a:t>
-            </a:r>
-            <a:r>
-              <a:rPr kumimoji="0" lang="en-US" sz="2400" b="1" i="0" u="none" strike="noStrike" kern="1200" cap="none" spc="0" normalizeH="0" baseline="0" noProof="0" dirty="0">
-                <a:ln>
-                  <a:noFill/>
-                </a:ln>
-                <a:solidFill>
-                  <a:srgbClr val="3B305B"/>
-                </a:solidFill>
-                <a:effectLst/>
-                <a:uLnTx/>
-                <a:uFillTx/>
-                <a:latin typeface="BC Sans"/>
-                <a:ea typeface="Verdana" panose="020B0604030504040204" pitchFamily="34" charset="0"/>
-                <a:cs typeface="Verdana" panose="020B0604030504040204" pitchFamily="34" charset="0"/>
-              </a:rPr>
-              <a:t>}</a:t>
-            </a:r>
-            <a:endParaRPr lang="en-CA" sz="1400" dirty="0">
-              <a:effectLst/>
-              <a:latin typeface="BC Sans"/>
-              <a:ea typeface="Verdana" panose="020B0604030504040204" pitchFamily="34" charset="0"/>
-              <a:cs typeface="Verdana" panose="020B0604030504040204" pitchFamily="34" charset="0"/>
-            </a:endParaRPr>
-          </a:p>
-          <a:p>
-            <a:endParaRPr lang="en-CA" sz="800" dirty="0">
+              <a:t>{{Condition1}} </a:t>
+            </a:r>
+            <a:endParaRPr lang="en-US" sz="1400" dirty="0">
               <a:effectLst/>
               <a:latin typeface="BC Sans"/>
               <a:ea typeface="Verdana" panose="020B0604030504040204" pitchFamily="34" charset="0"/>
@@ -3917,7 +3994,7 @@
                 <a:ea typeface="Verdana" panose="020B0604030504040204" pitchFamily="34" charset="0"/>
                 <a:cs typeface="Verdana" panose="020B0604030504040204" pitchFamily="34" charset="0"/>
               </a:rPr>
-              <a:t>Registration Certificate #:</a:t>
+              <a:t>Registration #:</a:t>
             </a:r>
             <a:r>
               <a:rPr lang="en-US" sz="1400" b="1" dirty="0">
@@ -3991,7 +4068,7 @@
         <p:spPr>
           <a:xfrm>
             <a:off x="3119024" y="6897998"/>
-            <a:ext cx="6207918" cy="307777"/>
+            <a:ext cx="2230216" cy="317500"/>
           </a:xfrm>
           <a:prstGeom prst="rect">
             <a:avLst/>
@@ -4018,42 +4095,6 @@
           </a:p>
         </p:txBody>
       </p:sp>
-      <p:pic>
-        <p:nvPicPr>
-          <p:cNvPr id="14" name="Picture 13">
-            <a:extLst>
-              <a:ext uri="{FF2B5EF4-FFF2-40B4-BE49-F238E27FC236}">
-                <a16:creationId xmlns:a16="http://schemas.microsoft.com/office/drawing/2014/main" id="{57648C15-8D87-A8A1-0A04-58CAB2B30DDB}"/>
-              </a:ext>
-            </a:extLst>
-          </p:cNvPr>
-          <p:cNvPicPr>
-            <a:picLocks noChangeAspect="1"/>
-          </p:cNvPicPr>
-          <p:nvPr/>
-        </p:nvPicPr>
-        <p:blipFill>
-          <a:blip r:embed="rId5">
-            <a:extLst>
-              <a:ext uri="{28A0092B-C50C-407E-A947-70E740481C1C}">
-                <a14:useLocalDpi xmlns:a14="http://schemas.microsoft.com/office/drawing/2010/main" val="0"/>
-              </a:ext>
-            </a:extLst>
-          </a:blip>
-          <a:stretch>
-            <a:fillRect/>
-          </a:stretch>
-        </p:blipFill>
-        <p:spPr>
-          <a:xfrm>
-            <a:off x="2875060" y="6580498"/>
-            <a:ext cx="2743200" cy="317500"/>
-          </a:xfrm>
-          <a:prstGeom prst="rect">
-            <a:avLst/>
-          </a:prstGeom>
-        </p:spPr>
-      </p:pic>
       <p:sp>
         <p:nvSpPr>
           <p:cNvPr id="13" name="TextBox 12">
@@ -4185,6 +4226,76 @@
               </a:rPr>
               <a:t>}} </a:t>
             </a:r>
+          </a:p>
+        </p:txBody>
+      </p:sp>
+      <p:sp>
+        <p:nvSpPr>
+          <p:cNvPr id="8" name="TextBox 7">
+            <a:extLst>
+              <a:ext uri="{FF2B5EF4-FFF2-40B4-BE49-F238E27FC236}">
+                <a16:creationId xmlns:a16="http://schemas.microsoft.com/office/drawing/2014/main" id="{AD6B0404-F4E5-FECB-0A9D-9221D0A6DA73}"/>
+              </a:ext>
+            </a:extLst>
+          </p:cNvPr>
+          <p:cNvSpPr txBox="1"/>
+          <p:nvPr/>
+        </p:nvSpPr>
+        <p:spPr>
+          <a:xfrm>
+            <a:off x="3547434" y="6533528"/>
+            <a:ext cx="2228049" cy="523220"/>
+          </a:xfrm>
+          <a:prstGeom prst="rect">
+            <a:avLst/>
+          </a:prstGeom>
+          <a:noFill/>
+        </p:spPr>
+        <p:txBody>
+          <a:bodyPr wrap="square" rtlCol="0">
+            <a:spAutoFit/>
+          </a:bodyPr>
+          <a:lstStyle/>
+          <a:p>
+            <a:r>
+              <a:rPr lang="en-US" sz="1400" dirty="0">
+                <a:solidFill>
+                  <a:srgbClr val="3B305B"/>
+                </a:solidFill>
+                <a:latin typeface="BC Sans"/>
+                <a:ea typeface="Verdana" panose="020B0604030504040204" pitchFamily="34" charset="0"/>
+              </a:rPr>
+              <a:t>{{</a:t>
+            </a:r>
+            <a:r>
+              <a:rPr lang="en-US" sz="1400" dirty="0" err="1">
+                <a:solidFill>
+                  <a:srgbClr val="3B305B"/>
+                </a:solidFill>
+                <a:latin typeface="BC Sans"/>
+                <a:ea typeface="Verdana" panose="020B0604030504040204" pitchFamily="34" charset="0"/>
+              </a:rPr>
+              <a:t>IMG_Document_Image</a:t>
+            </a:r>
+            <a:r>
+              <a:rPr lang="en-US" sz="1400" dirty="0">
+                <a:solidFill>
+                  <a:srgbClr val="3B305B"/>
+                </a:solidFill>
+                <a:latin typeface="BC Sans"/>
+                <a:ea typeface="Verdana" panose="020B0604030504040204" pitchFamily="34" charset="0"/>
+              </a:rPr>
+              <a:t>}}</a:t>
+            </a:r>
+          </a:p>
+          <a:p>
+            <a:endParaRPr lang="en-US" sz="1400" b="0" dirty="0">
+              <a:solidFill>
+                <a:srgbClr val="000000"/>
+              </a:solidFill>
+              <a:effectLst/>
+              <a:latin typeface="Consolas" panose="020B0609020204030204" pitchFamily="49" charset="0"/>
+            </a:endParaRPr>
           </a:p>
         </p:txBody>
       </p:sp>
